--- a/slides/Unit17_Heap.pptx
+++ b/slides/Unit17_Heap.pptx
@@ -184,7 +184,7 @@
 <file path=ppt/revisionInfo.xml><?xml version="1.0" encoding="utf-8"?>
 <p1510:revInfo xmlns:a="http://schemas.openxmlformats.org/drawingml/2006/main" xmlns:r="http://schemas.openxmlformats.org/officeDocument/2006/relationships" xmlns:p1510="http://schemas.microsoft.com/office/powerpoint/2015/10/main">
   <p1510:revLst>
-    <p1510:client id="{903F904F-C992-4FA5-9B24-F11902F9F7CF}" v="1" dt="2024-03-12T01:49:38.705"/>
+    <p1510:client id="{903F904F-C992-4FA5-9B24-F11902F9F7CF}" v="4" dt="2024-03-12T05:36:41.258"/>
   </p1510:revLst>
 </p1510:revInfo>
 </file>
@@ -1231,18 +1231,154 @@
   </pc:docChgLst>
   <pc:docChgLst>
     <pc:chgData name="Zhao Jin" userId="cd05a825-544c-438a-9ba1-08e63db50b47" providerId="ADAL" clId="{903F904F-C992-4FA5-9B24-F11902F9F7CF}"/>
-    <pc:docChg chg="undo custSel addSld modSld">
-      <pc:chgData name="Zhao Jin" userId="cd05a825-544c-438a-9ba1-08e63db50b47" providerId="ADAL" clId="{903F904F-C992-4FA5-9B24-F11902F9F7CF}" dt="2024-03-12T01:52:23.157" v="58" actId="207"/>
+    <pc:docChg chg="undo custSel addSld modSld modMainMaster">
+      <pc:chgData name="Zhao Jin" userId="cd05a825-544c-438a-9ba1-08e63db50b47" providerId="ADAL" clId="{903F904F-C992-4FA5-9B24-F11902F9F7CF}" dt="2024-03-12T05:36:41.258" v="63"/>
       <pc:docMkLst>
         <pc:docMk/>
       </pc:docMkLst>
+      <pc:sldChg chg="modSp mod">
+        <pc:chgData name="Zhao Jin" userId="cd05a825-544c-438a-9ba1-08e63db50b47" providerId="ADAL" clId="{903F904F-C992-4FA5-9B24-F11902F9F7CF}" dt="2024-03-12T05:36:17.700" v="60" actId="20577"/>
+        <pc:sldMkLst>
+          <pc:docMk/>
+          <pc:sldMk cId="0" sldId="256"/>
+        </pc:sldMkLst>
+        <pc:spChg chg="mod">
+          <ac:chgData name="Zhao Jin" userId="cd05a825-544c-438a-9ba1-08e63db50b47" providerId="ADAL" clId="{903F904F-C992-4FA5-9B24-F11902F9F7CF}" dt="2024-03-12T05:36:17.700" v="60" actId="20577"/>
+          <ac:spMkLst>
+            <pc:docMk/>
+            <pc:sldMk cId="0" sldId="256"/>
+            <ac:spMk id="8" creationId="{00000000-0000-0000-0000-000000000000}"/>
+          </ac:spMkLst>
+        </pc:spChg>
+      </pc:sldChg>
+      <pc:sldChg chg="modSp mod">
+        <pc:chgData name="Zhao Jin" userId="cd05a825-544c-438a-9ba1-08e63db50b47" providerId="ADAL" clId="{903F904F-C992-4FA5-9B24-F11902F9F7CF}" dt="2024-03-12T05:36:41.258" v="63"/>
+        <pc:sldMkLst>
+          <pc:docMk/>
+          <pc:sldMk cId="2438607696" sldId="468"/>
+        </pc:sldMkLst>
+        <pc:spChg chg="mod">
+          <ac:chgData name="Zhao Jin" userId="cd05a825-544c-438a-9ba1-08e63db50b47" providerId="ADAL" clId="{903F904F-C992-4FA5-9B24-F11902F9F7CF}" dt="2024-03-12T05:36:41.258" v="63"/>
+          <ac:spMkLst>
+            <pc:docMk/>
+            <pc:sldMk cId="2438607696" sldId="468"/>
+            <ac:spMk id="7" creationId="{00000000-0000-0000-0000-000000000000}"/>
+          </ac:spMkLst>
+        </pc:spChg>
+        <pc:spChg chg="mod">
+          <ac:chgData name="Zhao Jin" userId="cd05a825-544c-438a-9ba1-08e63db50b47" providerId="ADAL" clId="{903F904F-C992-4FA5-9B24-F11902F9F7CF}" dt="2024-03-12T05:36:24.019" v="61" actId="20577"/>
+          <ac:spMkLst>
+            <pc:docMk/>
+            <pc:sldMk cId="2438607696" sldId="468"/>
+            <ac:spMk id="14338" creationId="{00000000-0000-0000-0000-000000000000}"/>
+          </ac:spMkLst>
+        </pc:spChg>
+      </pc:sldChg>
+      <pc:sldChg chg="modSp">
+        <pc:chgData name="Zhao Jin" userId="cd05a825-544c-438a-9ba1-08e63db50b47" providerId="ADAL" clId="{903F904F-C992-4FA5-9B24-F11902F9F7CF}" dt="2024-03-12T05:36:41.258" v="63"/>
+        <pc:sldMkLst>
+          <pc:docMk/>
+          <pc:sldMk cId="1427618944" sldId="553"/>
+        </pc:sldMkLst>
+        <pc:spChg chg="mod">
+          <ac:chgData name="Zhao Jin" userId="cd05a825-544c-438a-9ba1-08e63db50b47" providerId="ADAL" clId="{903F904F-C992-4FA5-9B24-F11902F9F7CF}" dt="2024-03-12T05:36:41.258" v="63"/>
+          <ac:spMkLst>
+            <pc:docMk/>
+            <pc:sldMk cId="1427618944" sldId="553"/>
+            <ac:spMk id="7" creationId="{00000000-0000-0000-0000-000000000000}"/>
+          </ac:spMkLst>
+        </pc:spChg>
+      </pc:sldChg>
+      <pc:sldChg chg="modSp">
+        <pc:chgData name="Zhao Jin" userId="cd05a825-544c-438a-9ba1-08e63db50b47" providerId="ADAL" clId="{903F904F-C992-4FA5-9B24-F11902F9F7CF}" dt="2024-03-12T05:36:41.258" v="63"/>
+        <pc:sldMkLst>
+          <pc:docMk/>
+          <pc:sldMk cId="1094276337" sldId="601"/>
+        </pc:sldMkLst>
+        <pc:spChg chg="mod">
+          <ac:chgData name="Zhao Jin" userId="cd05a825-544c-438a-9ba1-08e63db50b47" providerId="ADAL" clId="{903F904F-C992-4FA5-9B24-F11902F9F7CF}" dt="2024-03-12T05:36:41.258" v="63"/>
+          <ac:spMkLst>
+            <pc:docMk/>
+            <pc:sldMk cId="1094276337" sldId="601"/>
+            <ac:spMk id="7" creationId="{00000000-0000-0000-0000-000000000000}"/>
+          </ac:spMkLst>
+        </pc:spChg>
+      </pc:sldChg>
+      <pc:sldChg chg="modSp">
+        <pc:chgData name="Zhao Jin" userId="cd05a825-544c-438a-9ba1-08e63db50b47" providerId="ADAL" clId="{903F904F-C992-4FA5-9B24-F11902F9F7CF}" dt="2024-03-12T05:36:41.258" v="63"/>
+        <pc:sldMkLst>
+          <pc:docMk/>
+          <pc:sldMk cId="1542002799" sldId="602"/>
+        </pc:sldMkLst>
+        <pc:spChg chg="mod">
+          <ac:chgData name="Zhao Jin" userId="cd05a825-544c-438a-9ba1-08e63db50b47" providerId="ADAL" clId="{903F904F-C992-4FA5-9B24-F11902F9F7CF}" dt="2024-03-12T05:36:41.258" v="63"/>
+          <ac:spMkLst>
+            <pc:docMk/>
+            <pc:sldMk cId="1542002799" sldId="602"/>
+            <ac:spMk id="7" creationId="{00000000-0000-0000-0000-000000000000}"/>
+          </ac:spMkLst>
+        </pc:spChg>
+      </pc:sldChg>
+      <pc:sldChg chg="modSp">
+        <pc:chgData name="Zhao Jin" userId="cd05a825-544c-438a-9ba1-08e63db50b47" providerId="ADAL" clId="{903F904F-C992-4FA5-9B24-F11902F9F7CF}" dt="2024-03-12T05:36:41.258" v="63"/>
+        <pc:sldMkLst>
+          <pc:docMk/>
+          <pc:sldMk cId="1614333187" sldId="604"/>
+        </pc:sldMkLst>
+        <pc:spChg chg="mod">
+          <ac:chgData name="Zhao Jin" userId="cd05a825-544c-438a-9ba1-08e63db50b47" providerId="ADAL" clId="{903F904F-C992-4FA5-9B24-F11902F9F7CF}" dt="2024-03-12T05:36:41.258" v="63"/>
+          <ac:spMkLst>
+            <pc:docMk/>
+            <pc:sldMk cId="1614333187" sldId="604"/>
+            <ac:spMk id="7" creationId="{00000000-0000-0000-0000-000000000000}"/>
+          </ac:spMkLst>
+        </pc:spChg>
+      </pc:sldChg>
+      <pc:sldChg chg="modSp">
+        <pc:chgData name="Zhao Jin" userId="cd05a825-544c-438a-9ba1-08e63db50b47" providerId="ADAL" clId="{903F904F-C992-4FA5-9B24-F11902F9F7CF}" dt="2024-03-12T05:36:41.258" v="63"/>
+        <pc:sldMkLst>
+          <pc:docMk/>
+          <pc:sldMk cId="383092526" sldId="605"/>
+        </pc:sldMkLst>
+        <pc:spChg chg="mod">
+          <ac:chgData name="Zhao Jin" userId="cd05a825-544c-438a-9ba1-08e63db50b47" providerId="ADAL" clId="{903F904F-C992-4FA5-9B24-F11902F9F7CF}" dt="2024-03-12T05:36:41.258" v="63"/>
+          <ac:spMkLst>
+            <pc:docMk/>
+            <pc:sldMk cId="383092526" sldId="605"/>
+            <ac:spMk id="7" creationId="{00000000-0000-0000-0000-000000000000}"/>
+          </ac:spMkLst>
+        </pc:spChg>
+      </pc:sldChg>
+      <pc:sldChg chg="modSp">
+        <pc:chgData name="Zhao Jin" userId="cd05a825-544c-438a-9ba1-08e63db50b47" providerId="ADAL" clId="{903F904F-C992-4FA5-9B24-F11902F9F7CF}" dt="2024-03-12T05:36:41.258" v="63"/>
+        <pc:sldMkLst>
+          <pc:docMk/>
+          <pc:sldMk cId="3269496185" sldId="606"/>
+        </pc:sldMkLst>
+        <pc:spChg chg="mod">
+          <ac:chgData name="Zhao Jin" userId="cd05a825-544c-438a-9ba1-08e63db50b47" providerId="ADAL" clId="{903F904F-C992-4FA5-9B24-F11902F9F7CF}" dt="2024-03-12T05:36:41.258" v="63"/>
+          <ac:spMkLst>
+            <pc:docMk/>
+            <pc:sldMk cId="3269496185" sldId="606"/>
+            <ac:spMk id="7" creationId="{00000000-0000-0000-0000-000000000000}"/>
+          </ac:spMkLst>
+        </pc:spChg>
+      </pc:sldChg>
       <pc:sldChg chg="delSp modSp add mod">
-        <pc:chgData name="Zhao Jin" userId="cd05a825-544c-438a-9ba1-08e63db50b47" providerId="ADAL" clId="{903F904F-C992-4FA5-9B24-F11902F9F7CF}" dt="2024-03-12T01:52:23.157" v="58" actId="207"/>
+        <pc:chgData name="Zhao Jin" userId="cd05a825-544c-438a-9ba1-08e63db50b47" providerId="ADAL" clId="{903F904F-C992-4FA5-9B24-F11902F9F7CF}" dt="2024-03-12T05:36:41.258" v="63"/>
         <pc:sldMkLst>
           <pc:docMk/>
           <pc:sldMk cId="2649651371" sldId="607"/>
         </pc:sldMkLst>
         <pc:spChg chg="mod">
+          <ac:chgData name="Zhao Jin" userId="cd05a825-544c-438a-9ba1-08e63db50b47" providerId="ADAL" clId="{903F904F-C992-4FA5-9B24-F11902F9F7CF}" dt="2024-03-12T05:36:41.258" v="63"/>
+          <ac:spMkLst>
+            <pc:docMk/>
+            <pc:sldMk cId="2649651371" sldId="607"/>
+            <ac:spMk id="7" creationId="{00000000-0000-0000-0000-000000000000}"/>
+          </ac:spMkLst>
+        </pc:spChg>
+        <pc:spChg chg="mod">
           <ac:chgData name="Zhao Jin" userId="cd05a825-544c-438a-9ba1-08e63db50b47" providerId="ADAL" clId="{903F904F-C992-4FA5-9B24-F11902F9F7CF}" dt="2024-03-12T01:50:00.182" v="8" actId="6549"/>
           <ac:spMkLst>
             <pc:docMk/>
@@ -1283,6 +1419,208 @@
           </ac:spMkLst>
         </pc:spChg>
       </pc:sldChg>
+      <pc:sldMasterChg chg="modSp modSldLayout">
+        <pc:chgData name="Zhao Jin" userId="cd05a825-544c-438a-9ba1-08e63db50b47" providerId="ADAL" clId="{903F904F-C992-4FA5-9B24-F11902F9F7CF}" dt="2024-03-12T05:36:41.258" v="63"/>
+        <pc:sldMasterMkLst>
+          <pc:docMk/>
+          <pc:sldMasterMk cId="0" sldId="2147485087"/>
+        </pc:sldMasterMkLst>
+        <pc:spChg chg="mod">
+          <ac:chgData name="Zhao Jin" userId="cd05a825-544c-438a-9ba1-08e63db50b47" providerId="ADAL" clId="{903F904F-C992-4FA5-9B24-F11902F9F7CF}" dt="2024-03-12T05:36:41.258" v="63"/>
+          <ac:spMkLst>
+            <pc:docMk/>
+            <pc:sldMasterMk cId="0" sldId="2147485087"/>
+            <ac:spMk id="6" creationId="{00000000-0000-0000-0000-000000000000}"/>
+          </ac:spMkLst>
+        </pc:spChg>
+        <pc:sldLayoutChg chg="modSp">
+          <pc:chgData name="Zhao Jin" userId="cd05a825-544c-438a-9ba1-08e63db50b47" providerId="ADAL" clId="{903F904F-C992-4FA5-9B24-F11902F9F7CF}" dt="2024-03-12T05:36:41.258" v="63"/>
+          <pc:sldLayoutMkLst>
+            <pc:docMk/>
+            <pc:sldMasterMk cId="0" sldId="2147485087"/>
+            <pc:sldLayoutMk cId="0" sldId="2147485088"/>
+          </pc:sldLayoutMkLst>
+          <pc:spChg chg="mod">
+            <ac:chgData name="Zhao Jin" userId="cd05a825-544c-438a-9ba1-08e63db50b47" providerId="ADAL" clId="{903F904F-C992-4FA5-9B24-F11902F9F7CF}" dt="2024-03-12T05:36:41.258" v="63"/>
+            <ac:spMkLst>
+              <pc:docMk/>
+              <pc:sldMasterMk cId="0" sldId="2147485087"/>
+              <pc:sldLayoutMk cId="0" sldId="2147485088"/>
+              <ac:spMk id="6" creationId="{00000000-0000-0000-0000-000000000000}"/>
+            </ac:spMkLst>
+          </pc:spChg>
+        </pc:sldLayoutChg>
+        <pc:sldLayoutChg chg="modSp">
+          <pc:chgData name="Zhao Jin" userId="cd05a825-544c-438a-9ba1-08e63db50b47" providerId="ADAL" clId="{903F904F-C992-4FA5-9B24-F11902F9F7CF}" dt="2024-03-12T05:36:41.258" v="63"/>
+          <pc:sldLayoutMkLst>
+            <pc:docMk/>
+            <pc:sldMasterMk cId="0" sldId="2147485087"/>
+            <pc:sldLayoutMk cId="0" sldId="2147485089"/>
+          </pc:sldLayoutMkLst>
+          <pc:spChg chg="mod">
+            <ac:chgData name="Zhao Jin" userId="cd05a825-544c-438a-9ba1-08e63db50b47" providerId="ADAL" clId="{903F904F-C992-4FA5-9B24-F11902F9F7CF}" dt="2024-03-12T05:36:41.258" v="63"/>
+            <ac:spMkLst>
+              <pc:docMk/>
+              <pc:sldMasterMk cId="0" sldId="2147485087"/>
+              <pc:sldLayoutMk cId="0" sldId="2147485089"/>
+              <ac:spMk id="6" creationId="{00000000-0000-0000-0000-000000000000}"/>
+            </ac:spMkLst>
+          </pc:spChg>
+        </pc:sldLayoutChg>
+        <pc:sldLayoutChg chg="modSp">
+          <pc:chgData name="Zhao Jin" userId="cd05a825-544c-438a-9ba1-08e63db50b47" providerId="ADAL" clId="{903F904F-C992-4FA5-9B24-F11902F9F7CF}" dt="2024-03-12T05:36:41.258" v="63"/>
+          <pc:sldLayoutMkLst>
+            <pc:docMk/>
+            <pc:sldMasterMk cId="0" sldId="2147485087"/>
+            <pc:sldLayoutMk cId="0" sldId="2147485090"/>
+          </pc:sldLayoutMkLst>
+          <pc:spChg chg="mod">
+            <ac:chgData name="Zhao Jin" userId="cd05a825-544c-438a-9ba1-08e63db50b47" providerId="ADAL" clId="{903F904F-C992-4FA5-9B24-F11902F9F7CF}" dt="2024-03-12T05:36:41.258" v="63"/>
+            <ac:spMkLst>
+              <pc:docMk/>
+              <pc:sldMasterMk cId="0" sldId="2147485087"/>
+              <pc:sldLayoutMk cId="0" sldId="2147485090"/>
+              <ac:spMk id="6" creationId="{00000000-0000-0000-0000-000000000000}"/>
+            </ac:spMkLst>
+          </pc:spChg>
+        </pc:sldLayoutChg>
+        <pc:sldLayoutChg chg="modSp">
+          <pc:chgData name="Zhao Jin" userId="cd05a825-544c-438a-9ba1-08e63db50b47" providerId="ADAL" clId="{903F904F-C992-4FA5-9B24-F11902F9F7CF}" dt="2024-03-12T05:36:41.258" v="63"/>
+          <pc:sldLayoutMkLst>
+            <pc:docMk/>
+            <pc:sldMasterMk cId="0" sldId="2147485087"/>
+            <pc:sldLayoutMk cId="0" sldId="2147485091"/>
+          </pc:sldLayoutMkLst>
+          <pc:spChg chg="mod">
+            <ac:chgData name="Zhao Jin" userId="cd05a825-544c-438a-9ba1-08e63db50b47" providerId="ADAL" clId="{903F904F-C992-4FA5-9B24-F11902F9F7CF}" dt="2024-03-12T05:36:41.258" v="63"/>
+            <ac:spMkLst>
+              <pc:docMk/>
+              <pc:sldMasterMk cId="0" sldId="2147485087"/>
+              <pc:sldLayoutMk cId="0" sldId="2147485091"/>
+              <ac:spMk id="7" creationId="{00000000-0000-0000-0000-000000000000}"/>
+            </ac:spMkLst>
+          </pc:spChg>
+        </pc:sldLayoutChg>
+        <pc:sldLayoutChg chg="modSp">
+          <pc:chgData name="Zhao Jin" userId="cd05a825-544c-438a-9ba1-08e63db50b47" providerId="ADAL" clId="{903F904F-C992-4FA5-9B24-F11902F9F7CF}" dt="2024-03-12T05:36:41.258" v="63"/>
+          <pc:sldLayoutMkLst>
+            <pc:docMk/>
+            <pc:sldMasterMk cId="0" sldId="2147485087"/>
+            <pc:sldLayoutMk cId="0" sldId="2147485092"/>
+          </pc:sldLayoutMkLst>
+          <pc:spChg chg="mod">
+            <ac:chgData name="Zhao Jin" userId="cd05a825-544c-438a-9ba1-08e63db50b47" providerId="ADAL" clId="{903F904F-C992-4FA5-9B24-F11902F9F7CF}" dt="2024-03-12T05:36:41.258" v="63"/>
+            <ac:spMkLst>
+              <pc:docMk/>
+              <pc:sldMasterMk cId="0" sldId="2147485087"/>
+              <pc:sldLayoutMk cId="0" sldId="2147485092"/>
+              <ac:spMk id="9" creationId="{00000000-0000-0000-0000-000000000000}"/>
+            </ac:spMkLst>
+          </pc:spChg>
+        </pc:sldLayoutChg>
+        <pc:sldLayoutChg chg="modSp">
+          <pc:chgData name="Zhao Jin" userId="cd05a825-544c-438a-9ba1-08e63db50b47" providerId="ADAL" clId="{903F904F-C992-4FA5-9B24-F11902F9F7CF}" dt="2024-03-12T05:36:41.258" v="63"/>
+          <pc:sldLayoutMkLst>
+            <pc:docMk/>
+            <pc:sldMasterMk cId="0" sldId="2147485087"/>
+            <pc:sldLayoutMk cId="0" sldId="2147485093"/>
+          </pc:sldLayoutMkLst>
+          <pc:spChg chg="mod">
+            <ac:chgData name="Zhao Jin" userId="cd05a825-544c-438a-9ba1-08e63db50b47" providerId="ADAL" clId="{903F904F-C992-4FA5-9B24-F11902F9F7CF}" dt="2024-03-12T05:36:41.258" v="63"/>
+            <ac:spMkLst>
+              <pc:docMk/>
+              <pc:sldMasterMk cId="0" sldId="2147485087"/>
+              <pc:sldLayoutMk cId="0" sldId="2147485093"/>
+              <ac:spMk id="5" creationId="{00000000-0000-0000-0000-000000000000}"/>
+            </ac:spMkLst>
+          </pc:spChg>
+        </pc:sldLayoutChg>
+        <pc:sldLayoutChg chg="modSp">
+          <pc:chgData name="Zhao Jin" userId="cd05a825-544c-438a-9ba1-08e63db50b47" providerId="ADAL" clId="{903F904F-C992-4FA5-9B24-F11902F9F7CF}" dt="2024-03-12T05:36:41.258" v="63"/>
+          <pc:sldLayoutMkLst>
+            <pc:docMk/>
+            <pc:sldMasterMk cId="0" sldId="2147485087"/>
+            <pc:sldLayoutMk cId="0" sldId="2147485094"/>
+          </pc:sldLayoutMkLst>
+          <pc:spChg chg="mod">
+            <ac:chgData name="Zhao Jin" userId="cd05a825-544c-438a-9ba1-08e63db50b47" providerId="ADAL" clId="{903F904F-C992-4FA5-9B24-F11902F9F7CF}" dt="2024-03-12T05:36:41.258" v="63"/>
+            <ac:spMkLst>
+              <pc:docMk/>
+              <pc:sldMasterMk cId="0" sldId="2147485087"/>
+              <pc:sldLayoutMk cId="0" sldId="2147485094"/>
+              <ac:spMk id="4" creationId="{00000000-0000-0000-0000-000000000000}"/>
+            </ac:spMkLst>
+          </pc:spChg>
+        </pc:sldLayoutChg>
+        <pc:sldLayoutChg chg="modSp">
+          <pc:chgData name="Zhao Jin" userId="cd05a825-544c-438a-9ba1-08e63db50b47" providerId="ADAL" clId="{903F904F-C992-4FA5-9B24-F11902F9F7CF}" dt="2024-03-12T05:36:41.258" v="63"/>
+          <pc:sldLayoutMkLst>
+            <pc:docMk/>
+            <pc:sldMasterMk cId="0" sldId="2147485087"/>
+            <pc:sldLayoutMk cId="0" sldId="2147485095"/>
+          </pc:sldLayoutMkLst>
+          <pc:spChg chg="mod">
+            <ac:chgData name="Zhao Jin" userId="cd05a825-544c-438a-9ba1-08e63db50b47" providerId="ADAL" clId="{903F904F-C992-4FA5-9B24-F11902F9F7CF}" dt="2024-03-12T05:36:41.258" v="63"/>
+            <ac:spMkLst>
+              <pc:docMk/>
+              <pc:sldMasterMk cId="0" sldId="2147485087"/>
+              <pc:sldLayoutMk cId="0" sldId="2147485095"/>
+              <ac:spMk id="7" creationId="{00000000-0000-0000-0000-000000000000}"/>
+            </ac:spMkLst>
+          </pc:spChg>
+        </pc:sldLayoutChg>
+        <pc:sldLayoutChg chg="modSp">
+          <pc:chgData name="Zhao Jin" userId="cd05a825-544c-438a-9ba1-08e63db50b47" providerId="ADAL" clId="{903F904F-C992-4FA5-9B24-F11902F9F7CF}" dt="2024-03-12T05:36:41.258" v="63"/>
+          <pc:sldLayoutMkLst>
+            <pc:docMk/>
+            <pc:sldMasterMk cId="0" sldId="2147485087"/>
+            <pc:sldLayoutMk cId="0" sldId="2147485096"/>
+          </pc:sldLayoutMkLst>
+          <pc:spChg chg="mod">
+            <ac:chgData name="Zhao Jin" userId="cd05a825-544c-438a-9ba1-08e63db50b47" providerId="ADAL" clId="{903F904F-C992-4FA5-9B24-F11902F9F7CF}" dt="2024-03-12T05:36:41.258" v="63"/>
+            <ac:spMkLst>
+              <pc:docMk/>
+              <pc:sldMasterMk cId="0" sldId="2147485087"/>
+              <pc:sldLayoutMk cId="0" sldId="2147485096"/>
+              <ac:spMk id="7" creationId="{00000000-0000-0000-0000-000000000000}"/>
+            </ac:spMkLst>
+          </pc:spChg>
+        </pc:sldLayoutChg>
+        <pc:sldLayoutChg chg="modSp">
+          <pc:chgData name="Zhao Jin" userId="cd05a825-544c-438a-9ba1-08e63db50b47" providerId="ADAL" clId="{903F904F-C992-4FA5-9B24-F11902F9F7CF}" dt="2024-03-12T05:36:41.258" v="63"/>
+          <pc:sldLayoutMkLst>
+            <pc:docMk/>
+            <pc:sldMasterMk cId="0" sldId="2147485087"/>
+            <pc:sldLayoutMk cId="0" sldId="2147485097"/>
+          </pc:sldLayoutMkLst>
+          <pc:spChg chg="mod">
+            <ac:chgData name="Zhao Jin" userId="cd05a825-544c-438a-9ba1-08e63db50b47" providerId="ADAL" clId="{903F904F-C992-4FA5-9B24-F11902F9F7CF}" dt="2024-03-12T05:36:41.258" v="63"/>
+            <ac:spMkLst>
+              <pc:docMk/>
+              <pc:sldMasterMk cId="0" sldId="2147485087"/>
+              <pc:sldLayoutMk cId="0" sldId="2147485097"/>
+              <ac:spMk id="6" creationId="{00000000-0000-0000-0000-000000000000}"/>
+            </ac:spMkLst>
+          </pc:spChg>
+        </pc:sldLayoutChg>
+        <pc:sldLayoutChg chg="modSp">
+          <pc:chgData name="Zhao Jin" userId="cd05a825-544c-438a-9ba1-08e63db50b47" providerId="ADAL" clId="{903F904F-C992-4FA5-9B24-F11902F9F7CF}" dt="2024-03-12T05:36:41.258" v="63"/>
+          <pc:sldLayoutMkLst>
+            <pc:docMk/>
+            <pc:sldMasterMk cId="0" sldId="2147485087"/>
+            <pc:sldLayoutMk cId="0" sldId="2147485098"/>
+          </pc:sldLayoutMkLst>
+          <pc:spChg chg="mod">
+            <ac:chgData name="Zhao Jin" userId="cd05a825-544c-438a-9ba1-08e63db50b47" providerId="ADAL" clId="{903F904F-C992-4FA5-9B24-F11902F9F7CF}" dt="2024-03-12T05:36:41.258" v="63"/>
+            <ac:spMkLst>
+              <pc:docMk/>
+              <pc:sldMasterMk cId="0" sldId="2147485087"/>
+              <pc:sldLayoutMk cId="0" sldId="2147485098"/>
+              <ac:spMk id="6" creationId="{00000000-0000-0000-0000-000000000000}"/>
+            </ac:spMkLst>
+          </pc:spChg>
+        </pc:sldLayoutChg>
+      </pc:sldMasterChg>
     </pc:docChg>
   </pc:docChgLst>
   <pc:docChgLst>
@@ -9873,7 +10211,7 @@
             </a:pPr>
             <a:r>
               <a:rPr lang="en-US" dirty="0"/>
-              <a:t>Unit18 - </a:t>
+              <a:t>Unit17 - </a:t>
             </a:r>
             <a:fld id="{2E4790E1-2590-4AEE-892D-AB46A7688113}" type="slidenum">
               <a:rPr lang="en-US" smtClean="0"/>
@@ -10094,7 +10432,7 @@
             </a:pPr>
             <a:r>
               <a:rPr lang="en-US" dirty="0"/>
-              <a:t>Unit18 - </a:t>
+              <a:t>Unit17 - </a:t>
             </a:r>
             <a:fld id="{2E4790E1-2590-4AEE-892D-AB46A7688113}" type="slidenum">
               <a:rPr lang="en-US" smtClean="0"/>
@@ -10292,7 +10630,7 @@
             </a:pPr>
             <a:r>
               <a:rPr lang="en-US" dirty="0"/>
-              <a:t>Unit18 - </a:t>
+              <a:t>Unit17 - </a:t>
             </a:r>
             <a:fld id="{2E4790E1-2590-4AEE-892D-AB46A7688113}" type="slidenum">
               <a:rPr lang="en-US" smtClean="0"/>
@@ -10482,7 +10820,7 @@
             </a:pPr>
             <a:r>
               <a:rPr lang="en-US" dirty="0"/>
-              <a:t>Unit18 - </a:t>
+              <a:t>Unit17 - </a:t>
             </a:r>
             <a:fld id="{2E4790E1-2590-4AEE-892D-AB46A7688113}" type="slidenum">
               <a:rPr lang="en-US" smtClean="0"/>
@@ -10757,7 +11095,7 @@
             </a:pPr>
             <a:r>
               <a:rPr lang="en-US" dirty="0"/>
-              <a:t>Unit18 - </a:t>
+              <a:t>Unit17 - </a:t>
             </a:r>
             <a:fld id="{2E4790E1-2590-4AEE-892D-AB46A7688113}" type="slidenum">
               <a:rPr lang="en-US" smtClean="0"/>
@@ -11097,7 +11435,7 @@
             </a:pPr>
             <a:r>
               <a:rPr lang="en-US" dirty="0"/>
-              <a:t>Unit18 - </a:t>
+              <a:t>Unit17 - </a:t>
             </a:r>
             <a:fld id="{2E4790E1-2590-4AEE-892D-AB46A7688113}" type="slidenum">
               <a:rPr lang="en-US" smtClean="0"/>
@@ -11586,7 +11924,7 @@
             </a:pPr>
             <a:r>
               <a:rPr lang="en-US" dirty="0"/>
-              <a:t>Unit18 - </a:t>
+              <a:t>Unit17 - </a:t>
             </a:r>
             <a:fld id="{2E4790E1-2590-4AEE-892D-AB46A7688113}" type="slidenum">
               <a:rPr lang="en-US" smtClean="0"/>
@@ -11756,7 +12094,7 @@
             </a:pPr>
             <a:r>
               <a:rPr lang="en-US" dirty="0"/>
-              <a:t>Unit18 - </a:t>
+              <a:t>Unit17 - </a:t>
             </a:r>
             <a:fld id="{2E4790E1-2590-4AEE-892D-AB46A7688113}" type="slidenum">
               <a:rPr lang="en-US" smtClean="0"/>
@@ -11869,7 +12207,7 @@
             </a:pPr>
             <a:r>
               <a:rPr lang="en-US" dirty="0"/>
-              <a:t>Unit18 - </a:t>
+              <a:t>Unit17 - </a:t>
             </a:r>
             <a:fld id="{2E4790E1-2590-4AEE-892D-AB46A7688113}" type="slidenum">
               <a:rPr lang="en-US" smtClean="0"/>
@@ -12166,7 +12504,7 @@
             </a:pPr>
             <a:r>
               <a:rPr lang="en-US" dirty="0"/>
-              <a:t>Unit18 - </a:t>
+              <a:t>Unit17 - </a:t>
             </a:r>
             <a:fld id="{2E4790E1-2590-4AEE-892D-AB46A7688113}" type="slidenum">
               <a:rPr lang="en-US" smtClean="0"/>
@@ -12493,7 +12831,7 @@
             </a:pPr>
             <a:r>
               <a:rPr lang="en-US" dirty="0"/>
-              <a:t>Unit18 - </a:t>
+              <a:t>Unit17 - </a:t>
             </a:r>
             <a:fld id="{2E4790E1-2590-4AEE-892D-AB46A7688113}" type="slidenum">
               <a:rPr lang="en-US" smtClean="0"/>
@@ -12845,7 +13183,7 @@
             </a:pPr>
             <a:r>
               <a:rPr lang="en-US" dirty="0"/>
-              <a:t>Unit18 - </a:t>
+              <a:t>Unit17 - </a:t>
             </a:r>
             <a:fld id="{2E4790E1-2590-4AEE-892D-AB46A7688113}" type="slidenum">
               <a:rPr lang="en-US" smtClean="0"/>
@@ -13239,23 +13577,8 @@
                 </a:solidFill>
                 <a:latin typeface="Calibri" panose="020F0502020204030204" pitchFamily="34" charset="0"/>
               </a:rPr>
-              <a:t>UNIT 1</a:t>
-            </a:r>
-            <a:r>
-              <a:rPr lang="en-US" altLang="zh-CN" sz="2400" dirty="0">
-                <a:solidFill>
-                  <a:srgbClr val="C00000"/>
-                </a:solidFill>
-                <a:latin typeface="Calibri" panose="020F0502020204030204" pitchFamily="34" charset="0"/>
-              </a:rPr>
-              <a:t>8</a:t>
-            </a:r>
-            <a:endParaRPr lang="en-US" sz="2400" dirty="0">
-              <a:solidFill>
-                <a:srgbClr val="C00000"/>
-              </a:solidFill>
-              <a:latin typeface="Calibri" panose="020F0502020204030204" pitchFamily="34" charset="0"/>
-            </a:endParaRPr>
+              <a:t>UNIT 17</a:t>
+            </a:r>
           </a:p>
         </p:txBody>
       </p:sp>
@@ -13530,7 +13853,7 @@
                   <a:srgbClr val="0000FF"/>
                 </a:solidFill>
               </a:rPr>
-              <a:t>Unit 18: Heap</a:t>
+              <a:t>Unit 17: Heap</a:t>
             </a:r>
           </a:p>
         </p:txBody>
@@ -13656,7 +13979,7 @@
             </a:pPr>
             <a:r>
               <a:rPr lang="en-US" sz="1200" dirty="0"/>
-              <a:t>Unit18</a:t>
+              <a:t>Unit17</a:t>
             </a:r>
             <a:r>
               <a:rPr sz="1200" dirty="0"/>
@@ -13825,7 +14148,7 @@
             </a:pPr>
             <a:r>
               <a:rPr lang="en-US" sz="1200" dirty="0"/>
-              <a:t>Unit18</a:t>
+              <a:t>Unit17</a:t>
             </a:r>
             <a:r>
               <a:rPr sz="1200" dirty="0"/>
@@ -14363,7 +14686,7 @@
             </a:pPr>
             <a:r>
               <a:rPr lang="en-US" sz="1200" dirty="0"/>
-              <a:t>Unit18</a:t>
+              <a:t>Unit17</a:t>
             </a:r>
             <a:r>
               <a:rPr sz="1200" dirty="0"/>
@@ -14927,7 +15250,7 @@
             </a:pPr>
             <a:r>
               <a:rPr lang="en-US" sz="1200" dirty="0"/>
-              <a:t>Unit18</a:t>
+              <a:t>Unit17</a:t>
             </a:r>
             <a:r>
               <a:rPr sz="1200" dirty="0"/>
@@ -15783,7 +16106,7 @@
             </a:pPr>
             <a:r>
               <a:rPr lang="en-US" sz="1200" dirty="0"/>
-              <a:t>Unit18</a:t>
+              <a:t>Unit17</a:t>
             </a:r>
             <a:r>
               <a:rPr sz="1200" dirty="0"/>
@@ -16786,7 +17109,7 @@
             </a:pPr>
             <a:r>
               <a:rPr lang="en-US" sz="1200" dirty="0"/>
-              <a:t>Unit18</a:t>
+              <a:t>Unit17</a:t>
             </a:r>
             <a:r>
               <a:rPr sz="1200" dirty="0"/>
@@ -17679,7 +18002,7 @@
             </a:pPr>
             <a:r>
               <a:rPr lang="en-US" sz="1200" dirty="0"/>
-              <a:t>Unit18</a:t>
+              <a:t>Unit17</a:t>
             </a:r>
             <a:r>
               <a:rPr sz="1200" dirty="0"/>
@@ -19012,7 +19335,7 @@
             </a:pPr>
             <a:r>
               <a:rPr lang="en-US" sz="1200" dirty="0"/>
-              <a:t>Unit18</a:t>
+              <a:t>Unit17</a:t>
             </a:r>
             <a:r>
               <a:rPr sz="1200" dirty="0"/>
